--- a/sdkjs/slide/themes/src/03_classic.pptx
+++ b/sdkjs/slide/themes/src/03_classic.pptx
@@ -154,6 +154,121 @@
           <a:chExt cx="0" cy="0"/>
         </a:xfrm>
       </p:grpSpPr>
+      <p:sp>
+        <p:nvSpPr>
+          <p:cNvPr id="8" name="Дата 4"/>
+          <p:cNvSpPr>
+            <a:spLocks noGrp="1"/>
+          </p:cNvSpPr>
+          <p:nvPr>
+            <p:ph type="dt" sz="half" idx="10"/>
+          </p:nvPr>
+        </p:nvSpPr>
+        <p:spPr>
+          <a:xfrm>
+            <a:off x="433536" y="4623978"/>
+            <a:ext cx="2133600" cy="273844"/>
+          </a:xfrm>
+          <a:prstGeom prst="rect">
+            <a:avLst/>
+          </a:prstGeom>
+        </p:spPr>
+        <p:txBody>
+          <a:bodyPr/>
+          <a:lstStyle>
+            <a:lvl1pPr>
+              <a:defRPr>
+                <a:solidFill>
+                  <a:srgbClr val="603636"/>
+                </a:solidFill>
+              </a:defRPr>
+            </a:lvl1pPr>
+          </a:lstStyle>
+          <a:p>
+            <a:fld id="{51E84241-D031-42DE-84E4-CC10C30232F4}" type="datetimeFigureOut">
+              <a:rPr lang="ru-RU" smtClean="0"/>
+              <a:pPr/>
+              <a:t>22.10.2013</a:t>
+            </a:fld>
+            <a:endParaRPr lang="ru-RU" dirty="0"/>
+          </a:p>
+        </p:txBody>
+      </p:sp>
+      <p:sp>
+        <p:nvSpPr>
+          <p:cNvPr id="9" name="Нижний колонтитул 5"/>
+          <p:cNvSpPr>
+            <a:spLocks noGrp="1"/>
+          </p:cNvSpPr>
+          <p:nvPr>
+            <p:ph type="ftr" sz="quarter" idx="11"/>
+          </p:nvPr>
+        </p:nvSpPr>
+        <p:spPr>
+          <a:xfrm>
+            <a:off x="3100536" y="4623978"/>
+            <a:ext cx="2895600" cy="273844"/>
+          </a:xfrm>
+          <a:prstGeom prst="rect">
+            <a:avLst/>
+          </a:prstGeom>
+        </p:spPr>
+        <p:txBody>
+          <a:bodyPr/>
+          <a:lstStyle>
+            <a:lvl1pPr>
+              <a:defRPr>
+                <a:solidFill>
+                  <a:srgbClr val="603636"/>
+                </a:solidFill>
+              </a:defRPr>
+            </a:lvl1pPr>
+          </a:lstStyle>
+          <a:p>
+            <a:endParaRPr lang="ru-RU"/>
+          </a:p>
+        </p:txBody>
+      </p:sp>
+      <p:sp>
+        <p:nvSpPr>
+          <p:cNvPr id="10" name="Номер слайда 6"/>
+          <p:cNvSpPr>
+            <a:spLocks noGrp="1"/>
+          </p:cNvSpPr>
+          <p:nvPr>
+            <p:ph type="sldNum" sz="quarter" idx="12"/>
+          </p:nvPr>
+        </p:nvSpPr>
+        <p:spPr>
+          <a:xfrm>
+            <a:off x="6529536" y="4623978"/>
+            <a:ext cx="2133600" cy="273844"/>
+          </a:xfrm>
+          <a:prstGeom prst="rect">
+            <a:avLst/>
+          </a:prstGeom>
+        </p:spPr>
+        <p:txBody>
+          <a:bodyPr/>
+          <a:lstStyle>
+            <a:lvl1pPr>
+              <a:defRPr>
+                <a:solidFill>
+                  <a:srgbClr val="603636"/>
+                </a:solidFill>
+              </a:defRPr>
+            </a:lvl1pPr>
+          </a:lstStyle>
+          <a:p>
+            <a:fld id="{6B5AA3AA-5EA9-4976-BF6C-9891F6110747}" type="slidenum">
+              <a:rPr lang="ru-RU" smtClean="0"/>
+              <a:pPr/>
+              <a:t>‹#›</a:t>
+            </a:fld>
+            <a:endParaRPr lang="ru-RU"/>
+          </a:p>
+        </p:txBody>
+      </p:sp>
       <p:pic>
         <p:nvPicPr>
           <p:cNvPr id="19" name="Рисунок 18"/>
